--- a/inchon_sheet/Inchon_startup.pptx
+++ b/inchon_sheet/Inchon_startup.pptx
@@ -302,7 +302,7 @@
           <a:p>
             <a:fld id="{8431DF41-C645-4008-9955-F3E48BD400F8}" type="datetimeFigureOut">
               <a:rPr lang="ko-KR" altLang="en-US" smtClean="0"/>
-              <a:t>2017-09-09</a:t>
+              <a:t>2017-10-10</a:t>
             </a:fld>
             <a:endParaRPr lang="ko-KR" altLang="en-US"/>
           </a:p>
@@ -472,7 +472,7 @@
           <a:p>
             <a:fld id="{8431DF41-C645-4008-9955-F3E48BD400F8}" type="datetimeFigureOut">
               <a:rPr lang="ko-KR" altLang="en-US" smtClean="0"/>
-              <a:t>2017-09-09</a:t>
+              <a:t>2017-10-10</a:t>
             </a:fld>
             <a:endParaRPr lang="ko-KR" altLang="en-US"/>
           </a:p>
@@ -652,7 +652,7 @@
           <a:p>
             <a:fld id="{8431DF41-C645-4008-9955-F3E48BD400F8}" type="datetimeFigureOut">
               <a:rPr lang="ko-KR" altLang="en-US" smtClean="0"/>
-              <a:t>2017-09-09</a:t>
+              <a:t>2017-10-10</a:t>
             </a:fld>
             <a:endParaRPr lang="ko-KR" altLang="en-US"/>
           </a:p>
@@ -822,7 +822,7 @@
           <a:p>
             <a:fld id="{8431DF41-C645-4008-9955-F3E48BD400F8}" type="datetimeFigureOut">
               <a:rPr lang="ko-KR" altLang="en-US" smtClean="0"/>
-              <a:t>2017-09-09</a:t>
+              <a:t>2017-10-10</a:t>
             </a:fld>
             <a:endParaRPr lang="ko-KR" altLang="en-US"/>
           </a:p>
@@ -1068,7 +1068,7 @@
           <a:p>
             <a:fld id="{8431DF41-C645-4008-9955-F3E48BD400F8}" type="datetimeFigureOut">
               <a:rPr lang="ko-KR" altLang="en-US" smtClean="0"/>
-              <a:t>2017-09-09</a:t>
+              <a:t>2017-10-10</a:t>
             </a:fld>
             <a:endParaRPr lang="ko-KR" altLang="en-US"/>
           </a:p>
@@ -1356,7 +1356,7 @@
           <a:p>
             <a:fld id="{8431DF41-C645-4008-9955-F3E48BD400F8}" type="datetimeFigureOut">
               <a:rPr lang="ko-KR" altLang="en-US" smtClean="0"/>
-              <a:t>2017-09-09</a:t>
+              <a:t>2017-10-10</a:t>
             </a:fld>
             <a:endParaRPr lang="ko-KR" altLang="en-US"/>
           </a:p>
@@ -1778,7 +1778,7 @@
           <a:p>
             <a:fld id="{8431DF41-C645-4008-9955-F3E48BD400F8}" type="datetimeFigureOut">
               <a:rPr lang="ko-KR" altLang="en-US" smtClean="0"/>
-              <a:t>2017-09-09</a:t>
+              <a:t>2017-10-10</a:t>
             </a:fld>
             <a:endParaRPr lang="ko-KR" altLang="en-US"/>
           </a:p>
@@ -1896,7 +1896,7 @@
           <a:p>
             <a:fld id="{8431DF41-C645-4008-9955-F3E48BD400F8}" type="datetimeFigureOut">
               <a:rPr lang="ko-KR" altLang="en-US" smtClean="0"/>
-              <a:t>2017-09-09</a:t>
+              <a:t>2017-10-10</a:t>
             </a:fld>
             <a:endParaRPr lang="ko-KR" altLang="en-US"/>
           </a:p>
@@ -1991,7 +1991,7 @@
           <a:p>
             <a:fld id="{8431DF41-C645-4008-9955-F3E48BD400F8}" type="datetimeFigureOut">
               <a:rPr lang="ko-KR" altLang="en-US" smtClean="0"/>
-              <a:t>2017-09-09</a:t>
+              <a:t>2017-10-10</a:t>
             </a:fld>
             <a:endParaRPr lang="ko-KR" altLang="en-US"/>
           </a:p>
@@ -2268,7 +2268,7 @@
           <a:p>
             <a:fld id="{8431DF41-C645-4008-9955-F3E48BD400F8}" type="datetimeFigureOut">
               <a:rPr lang="ko-KR" altLang="en-US" smtClean="0"/>
-              <a:t>2017-09-09</a:t>
+              <a:t>2017-10-10</a:t>
             </a:fld>
             <a:endParaRPr lang="ko-KR" altLang="en-US"/>
           </a:p>
@@ -2521,7 +2521,7 @@
           <a:p>
             <a:fld id="{8431DF41-C645-4008-9955-F3E48BD400F8}" type="datetimeFigureOut">
               <a:rPr lang="ko-KR" altLang="en-US" smtClean="0"/>
-              <a:t>2017-09-09</a:t>
+              <a:t>2017-10-10</a:t>
             </a:fld>
             <a:endParaRPr lang="ko-KR" altLang="en-US"/>
           </a:p>
@@ -2734,7 +2734,7 @@
           <a:p>
             <a:fld id="{8431DF41-C645-4008-9955-F3E48BD400F8}" type="datetimeFigureOut">
               <a:rPr lang="ko-KR" altLang="en-US" smtClean="0"/>
-              <a:t>2017-09-09</a:t>
+              <a:t>2017-10-10</a:t>
             </a:fld>
             <a:endParaRPr lang="ko-KR" altLang="en-US"/>
           </a:p>
@@ -3188,7 +3188,7 @@
         </p:nvSpPr>
         <p:spPr>
           <a:xfrm>
-            <a:off x="4499992" y="779086"/>
+            <a:off x="4496544" y="779086"/>
             <a:ext cx="3651962" cy="923330"/>
           </a:xfrm>
           <a:prstGeom prst="rect">
@@ -3865,7 +3865,7 @@
         </p:nvSpPr>
         <p:spPr>
           <a:xfrm>
-            <a:off x="755576" y="404664"/>
+            <a:off x="107504" y="548680"/>
             <a:ext cx="6545382" cy="646331"/>
           </a:xfrm>
           <a:prstGeom prst="rect">
